--- a/1023Report/1023_결과보고.pptx
+++ b/1023Report/1023_결과보고.pptx
@@ -222,7 +222,7 @@
           <a:p>
             <a:fld id="{265A5232-C53E-4F47-9B1D-10DC02294D1A}" type="datetimeFigureOut">
               <a:rPr lang="en-US" smtClean="0"/>
-              <a:t>10/23/2023</a:t>
+              <a:t>10/24/2023</a:t>
             </a:fld>
             <a:endParaRPr lang="en-US"/>
           </a:p>
@@ -472,7 +472,7 @@
           <a:p>
             <a:fld id="{F0AD61EE-A626-44D1-8BBF-C441989EBD45}" type="datetimeFigureOut">
               <a:rPr lang="ko-KR" altLang="en-US" smtClean="0"/>
-              <a:t>2023-10-23</a:t>
+              <a:t>2023-10-24</a:t>
             </a:fld>
             <a:endParaRPr lang="ko-KR" altLang="en-US"/>
           </a:p>
@@ -670,7 +670,7 @@
           <a:p>
             <a:fld id="{F0AD61EE-A626-44D1-8BBF-C441989EBD45}" type="datetimeFigureOut">
               <a:rPr lang="ko-KR" altLang="en-US" smtClean="0"/>
-              <a:t>2023-10-23</a:t>
+              <a:t>2023-10-24</a:t>
             </a:fld>
             <a:endParaRPr lang="ko-KR" altLang="en-US"/>
           </a:p>
@@ -878,7 +878,7 @@
           <a:p>
             <a:fld id="{F0AD61EE-A626-44D1-8BBF-C441989EBD45}" type="datetimeFigureOut">
               <a:rPr lang="ko-KR" altLang="en-US" smtClean="0"/>
-              <a:t>2023-10-23</a:t>
+              <a:t>2023-10-24</a:t>
             </a:fld>
             <a:endParaRPr lang="ko-KR" altLang="en-US"/>
           </a:p>
@@ -1120,7 +1120,7 @@
           <a:p>
             <a:fld id="{F0AD61EE-A626-44D1-8BBF-C441989EBD45}" type="datetimeFigureOut">
               <a:rPr lang="ko-KR" altLang="en-US" smtClean="0"/>
-              <a:t>2023-10-23</a:t>
+              <a:t>2023-10-24</a:t>
             </a:fld>
             <a:endParaRPr lang="ko-KR" altLang="en-US"/>
           </a:p>
@@ -1436,7 +1436,7 @@
           <a:p>
             <a:fld id="{F0AD61EE-A626-44D1-8BBF-C441989EBD45}" type="datetimeFigureOut">
               <a:rPr lang="ko-KR" altLang="en-US" smtClean="0"/>
-              <a:t>2023-10-23</a:t>
+              <a:t>2023-10-24</a:t>
             </a:fld>
             <a:endParaRPr lang="ko-KR" altLang="en-US"/>
           </a:p>
@@ -1742,7 +1742,7 @@
           <a:p>
             <a:fld id="{F0AD61EE-A626-44D1-8BBF-C441989EBD45}" type="datetimeFigureOut">
               <a:rPr lang="ko-KR" altLang="en-US" smtClean="0"/>
-              <a:t>2023-10-23</a:t>
+              <a:t>2023-10-24</a:t>
             </a:fld>
             <a:endParaRPr lang="ko-KR" altLang="en-US"/>
           </a:p>
@@ -2154,7 +2154,7 @@
           <a:p>
             <a:fld id="{F0AD61EE-A626-44D1-8BBF-C441989EBD45}" type="datetimeFigureOut">
               <a:rPr lang="ko-KR" altLang="en-US" smtClean="0"/>
-              <a:t>2023-10-23</a:t>
+              <a:t>2023-10-24</a:t>
             </a:fld>
             <a:endParaRPr lang="ko-KR" altLang="en-US"/>
           </a:p>
@@ -2295,7 +2295,7 @@
           <a:p>
             <a:fld id="{F0AD61EE-A626-44D1-8BBF-C441989EBD45}" type="datetimeFigureOut">
               <a:rPr lang="ko-KR" altLang="en-US" smtClean="0"/>
-              <a:t>2023-10-23</a:t>
+              <a:t>2023-10-24</a:t>
             </a:fld>
             <a:endParaRPr lang="ko-KR" altLang="en-US"/>
           </a:p>
@@ -2408,7 +2408,7 @@
           <a:p>
             <a:fld id="{F0AD61EE-A626-44D1-8BBF-C441989EBD45}" type="datetimeFigureOut">
               <a:rPr lang="ko-KR" altLang="en-US" smtClean="0"/>
-              <a:t>2023-10-23</a:t>
+              <a:t>2023-10-24</a:t>
             </a:fld>
             <a:endParaRPr lang="ko-KR" altLang="en-US"/>
           </a:p>
@@ -2719,7 +2719,7 @@
           <a:p>
             <a:fld id="{F0AD61EE-A626-44D1-8BBF-C441989EBD45}" type="datetimeFigureOut">
               <a:rPr lang="ko-KR" altLang="en-US" smtClean="0"/>
-              <a:t>2023-10-23</a:t>
+              <a:t>2023-10-24</a:t>
             </a:fld>
             <a:endParaRPr lang="ko-KR" altLang="en-US"/>
           </a:p>
@@ -3007,7 +3007,7 @@
           <a:p>
             <a:fld id="{F0AD61EE-A626-44D1-8BBF-C441989EBD45}" type="datetimeFigureOut">
               <a:rPr lang="ko-KR" altLang="en-US" smtClean="0"/>
-              <a:t>2023-10-23</a:t>
+              <a:t>2023-10-24</a:t>
             </a:fld>
             <a:endParaRPr lang="ko-KR" altLang="en-US"/>
           </a:p>
@@ -3248,7 +3248,7 @@
           <a:p>
             <a:fld id="{F0AD61EE-A626-44D1-8BBF-C441989EBD45}" type="datetimeFigureOut">
               <a:rPr lang="ko-KR" altLang="en-US" smtClean="0"/>
-              <a:t>2023-10-23</a:t>
+              <a:t>2023-10-24</a:t>
             </a:fld>
             <a:endParaRPr lang="ko-KR" altLang="en-US"/>
           </a:p>
@@ -3791,7 +3791,7 @@
           <a:p>
             <a:r>
               <a:rPr lang="en-US" altLang="ko-KR" dirty="0"/>
-              <a:t>IPG vs MPC</a:t>
+              <a:t>IPG - MPC</a:t>
             </a:r>
             <a:endParaRPr lang="ko-KR" altLang="en-US" dirty="0"/>
           </a:p>
@@ -3799,10 +3799,10 @@
       </p:sp>
       <p:pic>
         <p:nvPicPr>
-          <p:cNvPr id="6" name="내용 개체 틀 5" descr="도표, 텍스트, 라인, 평행이(가) 표시된 사진&#10;&#10;자동 생성된 설명">
-            <a:extLst>
-              <a:ext uri="{FF2B5EF4-FFF2-40B4-BE49-F238E27FC236}">
-                <a16:creationId xmlns:a16="http://schemas.microsoft.com/office/drawing/2014/main" id="{16634D4F-D294-A2E8-CA7F-151EB6B72E16}"/>
+          <p:cNvPr id="7" name="내용 개체 틀 6">
+            <a:extLst>
+              <a:ext uri="{FF2B5EF4-FFF2-40B4-BE49-F238E27FC236}">
+                <a16:creationId xmlns:a16="http://schemas.microsoft.com/office/drawing/2014/main" id="{0493BA04-6DA6-C3F3-E28D-65217FC6AC33}"/>
               </a:ext>
             </a:extLst>
           </p:cNvPr>
@@ -3814,21 +3814,15 @@
           </p:nvPr>
         </p:nvPicPr>
         <p:blipFill>
-          <a:blip r:embed="rId2">
-            <a:extLst>
-              <a:ext uri="{28A0092B-C50C-407E-A947-70E740481C1C}">
-                <a14:useLocalDpi xmlns:a14="http://schemas.microsoft.com/office/drawing/2010/main" val="0"/>
-              </a:ext>
-            </a:extLst>
-          </a:blip>
+          <a:blip r:embed="rId2"/>
           <a:stretch>
             <a:fillRect/>
           </a:stretch>
         </p:blipFill>
         <p:spPr>
           <a:xfrm>
-            <a:off x="1923931" y="1825625"/>
-            <a:ext cx="8344138" cy="4351338"/>
+            <a:off x="2079380" y="1825625"/>
+            <a:ext cx="8033239" cy="4351338"/>
           </a:xfrm>
         </p:spPr>
       </p:pic>
@@ -4100,10 +4094,10 @@
       </p:sp>
       <p:pic>
         <p:nvPicPr>
-          <p:cNvPr id="6" name="그림 5">
-            <a:extLst>
-              <a:ext uri="{FF2B5EF4-FFF2-40B4-BE49-F238E27FC236}">
-                <a16:creationId xmlns:a16="http://schemas.microsoft.com/office/drawing/2014/main" id="{C0256DB9-6C58-5F14-FA0C-2EC7D0A18075}"/>
+          <p:cNvPr id="5" name="그림 4">
+            <a:extLst>
+              <a:ext uri="{FF2B5EF4-FFF2-40B4-BE49-F238E27FC236}">
+                <a16:creationId xmlns:a16="http://schemas.microsoft.com/office/drawing/2014/main" id="{277F0648-1134-7C57-708E-810BADADD151}"/>
               </a:ext>
             </a:extLst>
           </p:cNvPr>
@@ -4112,16 +4106,15 @@
           </p:cNvPicPr>
           <p:nvPr/>
         </p:nvPicPr>
-        <p:blipFill>
+        <p:blipFill rotWithShape="1">
           <a:blip r:embed="rId2"/>
-          <a:stretch>
-            <a:fillRect/>
-          </a:stretch>
+          <a:srcRect b="5468"/>
+          <a:stretch/>
         </p:blipFill>
         <p:spPr>
           <a:xfrm>
-            <a:off x="3403921" y="4868586"/>
-            <a:ext cx="8286750" cy="1181100"/>
+            <a:off x="3371850" y="5144882"/>
+            <a:ext cx="7981950" cy="1032081"/>
           </a:xfrm>
           <a:prstGeom prst="rect">
             <a:avLst/>

--- a/1023Report/1023_결과보고.pptx
+++ b/1023Report/1023_결과보고.pptx
@@ -3799,10 +3799,10 @@
       </p:sp>
       <p:pic>
         <p:nvPicPr>
-          <p:cNvPr id="7" name="내용 개체 틀 6">
-            <a:extLst>
-              <a:ext uri="{FF2B5EF4-FFF2-40B4-BE49-F238E27FC236}">
-                <a16:creationId xmlns:a16="http://schemas.microsoft.com/office/drawing/2014/main" id="{0493BA04-6DA6-C3F3-E28D-65217FC6AC33}"/>
+          <p:cNvPr id="6" name="내용 개체 틀 5">
+            <a:extLst>
+              <a:ext uri="{FF2B5EF4-FFF2-40B4-BE49-F238E27FC236}">
+                <a16:creationId xmlns:a16="http://schemas.microsoft.com/office/drawing/2014/main" id="{DE560FF6-340A-6416-2D53-C1759E10AE9F}"/>
               </a:ext>
             </a:extLst>
           </p:cNvPr>
@@ -3887,10 +3887,10 @@
       </p:sp>
       <p:pic>
         <p:nvPicPr>
-          <p:cNvPr id="6" name="내용 개체 틀 5" descr="친필, 텍스트, 아동 미술이(가) 표시된 사진&#10;&#10;자동 생성된 설명">
-            <a:extLst>
-              <a:ext uri="{FF2B5EF4-FFF2-40B4-BE49-F238E27FC236}">
-                <a16:creationId xmlns:a16="http://schemas.microsoft.com/office/drawing/2014/main" id="{94A94140-6B56-72B0-7261-647A14ABCC9C}"/>
+          <p:cNvPr id="7" name="내용 개체 틀 6">
+            <a:extLst>
+              <a:ext uri="{FF2B5EF4-FFF2-40B4-BE49-F238E27FC236}">
+                <a16:creationId xmlns:a16="http://schemas.microsoft.com/office/drawing/2014/main" id="{5D7C5254-7BCC-870C-8C9A-E5F6D18FFBD0}"/>
               </a:ext>
             </a:extLst>
           </p:cNvPr>
@@ -3902,21 +3902,15 @@
           </p:nvPr>
         </p:nvPicPr>
         <p:blipFill>
-          <a:blip r:embed="rId2">
-            <a:extLst>
-              <a:ext uri="{28A0092B-C50C-407E-A947-70E740481C1C}">
-                <a14:useLocalDpi xmlns:a14="http://schemas.microsoft.com/office/drawing/2010/main" val="0"/>
-              </a:ext>
-            </a:extLst>
-          </a:blip>
+          <a:blip r:embed="rId2"/>
           <a:stretch>
             <a:fillRect/>
           </a:stretch>
         </p:blipFill>
         <p:spPr>
           <a:xfrm>
-            <a:off x="1923931" y="1825625"/>
-            <a:ext cx="8344138" cy="4351338"/>
+            <a:off x="2079380" y="1825625"/>
+            <a:ext cx="8033239" cy="4351338"/>
           </a:xfrm>
         </p:spPr>
       </p:pic>
@@ -4094,10 +4088,10 @@
       </p:sp>
       <p:pic>
         <p:nvPicPr>
-          <p:cNvPr id="5" name="그림 4">
-            <a:extLst>
-              <a:ext uri="{FF2B5EF4-FFF2-40B4-BE49-F238E27FC236}">
-                <a16:creationId xmlns:a16="http://schemas.microsoft.com/office/drawing/2014/main" id="{277F0648-1134-7C57-708E-810BADADD151}"/>
+          <p:cNvPr id="6" name="그림 5">
+            <a:extLst>
+              <a:ext uri="{FF2B5EF4-FFF2-40B4-BE49-F238E27FC236}">
+                <a16:creationId xmlns:a16="http://schemas.microsoft.com/office/drawing/2014/main" id="{DF8B80B4-C132-1C3A-A4AD-3646C8B8EA83}"/>
               </a:ext>
             </a:extLst>
           </p:cNvPr>
@@ -4108,13 +4102,13 @@
         </p:nvPicPr>
         <p:blipFill rotWithShape="1">
           <a:blip r:embed="rId2"/>
-          <a:srcRect b="5468"/>
+          <a:srcRect t="11779" r="54219" b="73221"/>
           <a:stretch/>
         </p:blipFill>
         <p:spPr>
           <a:xfrm>
-            <a:off x="3371850" y="5144882"/>
-            <a:ext cx="7981950" cy="1032081"/>
+            <a:off x="4591416" y="5191125"/>
+            <a:ext cx="6762384" cy="1200150"/>
           </a:xfrm>
           <a:prstGeom prst="rect">
             <a:avLst/>
@@ -4561,21 +4555,55 @@
           <a:p>
             <a:r>
               <a:rPr lang="en-US" altLang="ko-KR" dirty="0"/>
-              <a:t>IPG Setting</a:t>
+              <a:t>IPG Setting for RL</a:t>
             </a:r>
           </a:p>
           <a:p>
             <a:pPr lvl="1"/>
             <a:r>
               <a:rPr lang="en-US" altLang="ko-KR" dirty="0"/>
-              <a:t>Longitudinal Dynamics: IPGDriver, Speed 50 kph</a:t>
+              <a:t>Initial Velocity: 50 kph</a:t>
             </a:r>
           </a:p>
           <a:p>
             <a:pPr lvl="1"/>
             <a:r>
               <a:rPr lang="en-US" altLang="ko-KR" dirty="0"/>
-              <a:t>Corner cutting Coefficient: 0.9</a:t>
+              <a:t>Longitudinal Dynamics: IPG Control, Speed 50 kph</a:t>
+            </a:r>
+          </a:p>
+          <a:p>
+            <a:pPr lvl="1"/>
+            <a:r>
+              <a:rPr lang="en-US" altLang="ko-KR" dirty="0"/>
+              <a:t>Corner Cutting Coefficient: 0.8</a:t>
+            </a:r>
+          </a:p>
+          <a:p>
+            <a:r>
+              <a:rPr lang="en-US" altLang="ko-KR" dirty="0"/>
+              <a:t>IPG Setting for RL</a:t>
+            </a:r>
+          </a:p>
+          <a:p>
+            <a:pPr lvl="1"/>
+            <a:r>
+              <a:rPr lang="en-US" altLang="ko-KR" dirty="0"/>
+              <a:t>Initial Velocity: 0</a:t>
+            </a:r>
+          </a:p>
+          <a:p>
+            <a:pPr lvl="1"/>
+            <a:r>
+              <a:rPr lang="en-US" altLang="ko-KR" dirty="0"/>
+              <a:t>Longitudinal Dynamics: IPG Control, Speed 50 kph</a:t>
+            </a:r>
+          </a:p>
+          <a:p>
+            <a:pPr lvl="1"/>
+            <a:r>
+              <a:rPr lang="en-US" altLang="ko-KR" dirty="0"/>
+              <a:t>Corner Cutting Coefficient: 0.9 (maximum coefficient while not colliding with cones)</a:t>
             </a:r>
           </a:p>
           <a:p>
@@ -4588,10 +4616,10 @@
       </p:sp>
       <p:pic>
         <p:nvPicPr>
-          <p:cNvPr id="5" name="그림 4">
-            <a:extLst>
-              <a:ext uri="{FF2B5EF4-FFF2-40B4-BE49-F238E27FC236}">
-                <a16:creationId xmlns:a16="http://schemas.microsoft.com/office/drawing/2014/main" id="{1A589F8F-AAE4-EA78-0DDD-65845B7374A8}"/>
+          <p:cNvPr id="8" name="그림 7">
+            <a:extLst>
+              <a:ext uri="{FF2B5EF4-FFF2-40B4-BE49-F238E27FC236}">
+                <a16:creationId xmlns:a16="http://schemas.microsoft.com/office/drawing/2014/main" id="{E39AC4E5-C837-EDC8-4630-CD45040D08F4}"/>
               </a:ext>
             </a:extLst>
           </p:cNvPr>
@@ -4600,16 +4628,15 @@
           </p:cNvPicPr>
           <p:nvPr/>
         </p:nvPicPr>
-        <p:blipFill>
+        <p:blipFill rotWithShape="1">
           <a:blip r:embed="rId2"/>
-          <a:stretch>
-            <a:fillRect/>
-          </a:stretch>
+          <a:srcRect t="65725" r="54929" b="19637"/>
+          <a:stretch/>
         </p:blipFill>
         <p:spPr>
           <a:xfrm>
-            <a:off x="933712" y="3251783"/>
-            <a:ext cx="8210550" cy="1143000"/>
+            <a:off x="3818410" y="4851401"/>
+            <a:ext cx="7535390" cy="1325562"/>
           </a:xfrm>
           <a:prstGeom prst="rect">
             <a:avLst/>
@@ -4677,10 +4704,10 @@
       </p:sp>
       <p:pic>
         <p:nvPicPr>
-          <p:cNvPr id="9" name="내용 개체 틀 8">
-            <a:extLst>
-              <a:ext uri="{FF2B5EF4-FFF2-40B4-BE49-F238E27FC236}">
-                <a16:creationId xmlns:a16="http://schemas.microsoft.com/office/drawing/2014/main" id="{C9F282CF-902B-5D80-1448-11C537B7A70C}"/>
+          <p:cNvPr id="6" name="내용 개체 틀 5">
+            <a:extLst>
+              <a:ext uri="{FF2B5EF4-FFF2-40B4-BE49-F238E27FC236}">
+                <a16:creationId xmlns:a16="http://schemas.microsoft.com/office/drawing/2014/main" id="{3457FE26-E47E-5B07-D8C6-C710828EBEEA}"/>
               </a:ext>
             </a:extLst>
           </p:cNvPr>
@@ -4699,8 +4726,8 @@
         </p:blipFill>
         <p:spPr>
           <a:xfrm>
-            <a:off x="2117634" y="1825625"/>
-            <a:ext cx="7956732" cy="4351338"/>
+            <a:off x="2079380" y="1825625"/>
+            <a:ext cx="8033239" cy="4351338"/>
           </a:xfrm>
         </p:spPr>
       </p:pic>
@@ -4765,10 +4792,10 @@
       </p:sp>
       <p:pic>
         <p:nvPicPr>
-          <p:cNvPr id="5" name="내용 개체 틀 4">
-            <a:extLst>
-              <a:ext uri="{FF2B5EF4-FFF2-40B4-BE49-F238E27FC236}">
-                <a16:creationId xmlns:a16="http://schemas.microsoft.com/office/drawing/2014/main" id="{175CB466-6D4D-200F-B2E3-CB173CF0EAE1}"/>
+          <p:cNvPr id="7" name="내용 개체 틀 6">
+            <a:extLst>
+              <a:ext uri="{FF2B5EF4-FFF2-40B4-BE49-F238E27FC236}">
+                <a16:creationId xmlns:a16="http://schemas.microsoft.com/office/drawing/2014/main" id="{56F0C5B1-8ECB-9AD3-1A56-3ABA37411D35}"/>
               </a:ext>
             </a:extLst>
           </p:cNvPr>
@@ -4787,8 +4814,8 @@
         </p:blipFill>
         <p:spPr>
           <a:xfrm>
-            <a:off x="2117634" y="1825625"/>
-            <a:ext cx="7956732" cy="4351338"/>
+            <a:off x="2079380" y="1825625"/>
+            <a:ext cx="8033239" cy="4351338"/>
           </a:xfrm>
         </p:spPr>
       </p:pic>

--- a/1023Report/1023_결과보고.pptx
+++ b/1023Report/1023_결과보고.pptx
@@ -5,20 +5,30 @@
     <p:sldMasterId id="2147483648" r:id="rId1"/>
   </p:sldMasterIdLst>
   <p:handoutMasterIdLst>
-    <p:handoutMasterId r:id="rId13"/>
+    <p:handoutMasterId r:id="rId23"/>
   </p:handoutMasterIdLst>
   <p:sldIdLst>
     <p:sldId id="262" r:id="rId2"/>
     <p:sldId id="334" r:id="rId3"/>
-    <p:sldId id="326" r:id="rId4"/>
-    <p:sldId id="327" r:id="rId5"/>
-    <p:sldId id="328" r:id="rId6"/>
-    <p:sldId id="335" r:id="rId7"/>
-    <p:sldId id="329" r:id="rId8"/>
-    <p:sldId id="330" r:id="rId9"/>
-    <p:sldId id="331" r:id="rId10"/>
-    <p:sldId id="332" r:id="rId11"/>
-    <p:sldId id="333" r:id="rId12"/>
+    <p:sldId id="344" r:id="rId4"/>
+    <p:sldId id="345" r:id="rId5"/>
+    <p:sldId id="346" r:id="rId6"/>
+    <p:sldId id="347" r:id="rId7"/>
+    <p:sldId id="343" r:id="rId8"/>
+    <p:sldId id="337" r:id="rId9"/>
+    <p:sldId id="338" r:id="rId10"/>
+    <p:sldId id="339" r:id="rId11"/>
+    <p:sldId id="340" r:id="rId12"/>
+    <p:sldId id="336" r:id="rId13"/>
+    <p:sldId id="326" r:id="rId14"/>
+    <p:sldId id="327" r:id="rId15"/>
+    <p:sldId id="328" r:id="rId16"/>
+    <p:sldId id="335" r:id="rId17"/>
+    <p:sldId id="329" r:id="rId18"/>
+    <p:sldId id="330" r:id="rId19"/>
+    <p:sldId id="331" r:id="rId20"/>
+    <p:sldId id="332" r:id="rId21"/>
+    <p:sldId id="333" r:id="rId22"/>
   </p:sldIdLst>
   <p:sldSz cx="12192000" cy="6858000"/>
   <p:notesSz cx="6858000" cy="9144000"/>
@@ -3773,7 +3783,7 @@
           <p:cNvPr id="2" name="제목 1">
             <a:extLst>
               <a:ext uri="{FF2B5EF4-FFF2-40B4-BE49-F238E27FC236}">
-                <a16:creationId xmlns:a16="http://schemas.microsoft.com/office/drawing/2014/main" id="{89A1722E-8587-5118-0CE2-8BE4FC5F5C32}"/>
+                <a16:creationId xmlns:a16="http://schemas.microsoft.com/office/drawing/2014/main" id="{46F620D1-E59C-B50D-E149-26ECAABC06A9}"/>
               </a:ext>
             </a:extLst>
           </p:cNvPr>
@@ -3802,7 +3812,7 @@
           <p:cNvPr id="6" name="내용 개체 틀 5">
             <a:extLst>
               <a:ext uri="{FF2B5EF4-FFF2-40B4-BE49-F238E27FC236}">
-                <a16:creationId xmlns:a16="http://schemas.microsoft.com/office/drawing/2014/main" id="{DE560FF6-340A-6416-2D53-C1759E10AE9F}"/>
+                <a16:creationId xmlns:a16="http://schemas.microsoft.com/office/drawing/2014/main" id="{E52753DB-9CE2-2215-770E-1004E16CE92B}"/>
               </a:ext>
             </a:extLst>
           </p:cNvPr>
@@ -3821,15 +3831,15 @@
         </p:blipFill>
         <p:spPr>
           <a:xfrm>
-            <a:off x="2079380" y="1825625"/>
-            <a:ext cx="8033239" cy="4351338"/>
+            <a:off x="2478367" y="1825625"/>
+            <a:ext cx="7235265" cy="4351338"/>
           </a:xfrm>
         </p:spPr>
       </p:pic>
     </p:spTree>
     <p:extLst>
       <p:ext uri="{BB962C8B-B14F-4D97-AF65-F5344CB8AC3E}">
-        <p14:creationId xmlns:p14="http://schemas.microsoft.com/office/powerpoint/2010/main" val="4036092701"/>
+        <p14:creationId xmlns:p14="http://schemas.microsoft.com/office/powerpoint/2010/main" val="1200583975"/>
       </p:ext>
     </p:extLst>
   </p:cSld>
@@ -3861,7 +3871,7 @@
           <p:cNvPr id="2" name="제목 1">
             <a:extLst>
               <a:ext uri="{FF2B5EF4-FFF2-40B4-BE49-F238E27FC236}">
-                <a16:creationId xmlns:a16="http://schemas.microsoft.com/office/drawing/2014/main" id="{BAD4E0BF-CE68-970B-82A4-EB8F04D87D22}"/>
+                <a16:creationId xmlns:a16="http://schemas.microsoft.com/office/drawing/2014/main" id="{05C074D9-1659-F4FD-451A-F79551FB7D7E}"/>
               </a:ext>
             </a:extLst>
           </p:cNvPr>
@@ -3879,7 +3889,7 @@
           <a:p>
             <a:r>
               <a:rPr lang="en-US" altLang="ko-KR" dirty="0"/>
-              <a:t>IPG vs MPC</a:t>
+              <a:t>IPG - MPC</a:t>
             </a:r>
             <a:endParaRPr lang="ko-KR" altLang="en-US" dirty="0"/>
           </a:p>
@@ -3890,7 +3900,7 @@
           <p:cNvPr id="7" name="내용 개체 틀 6">
             <a:extLst>
               <a:ext uri="{FF2B5EF4-FFF2-40B4-BE49-F238E27FC236}">
-                <a16:creationId xmlns:a16="http://schemas.microsoft.com/office/drawing/2014/main" id="{5D7C5254-7BCC-870C-8C9A-E5F6D18FFBD0}"/>
+                <a16:creationId xmlns:a16="http://schemas.microsoft.com/office/drawing/2014/main" id="{2F9770CF-5B61-6330-32BD-31BBB3A69C49}"/>
               </a:ext>
             </a:extLst>
           </p:cNvPr>
@@ -3909,15 +3919,15 @@
         </p:blipFill>
         <p:spPr>
           <a:xfrm>
-            <a:off x="2079380" y="1825625"/>
-            <a:ext cx="8033239" cy="4351338"/>
+            <a:off x="2478367" y="1825625"/>
+            <a:ext cx="7235265" cy="4351338"/>
           </a:xfrm>
         </p:spPr>
       </p:pic>
     </p:spTree>
     <p:extLst>
       <p:ext uri="{BB962C8B-B14F-4D97-AF65-F5344CB8AC3E}">
-        <p14:creationId xmlns:p14="http://schemas.microsoft.com/office/powerpoint/2010/main" val="45892020"/>
+        <p14:creationId xmlns:p14="http://schemas.microsoft.com/office/powerpoint/2010/main" val="1252162198"/>
       </p:ext>
     </p:extLst>
   </p:cSld>
@@ -3927,7 +3937,7 @@
 </p:sld>
 </file>
 
-<file path=ppt/slides/slide2.xml><?xml version="1.0" encoding="utf-8"?>
+<file path=ppt/slides/slide12.xml><?xml version="1.0" encoding="utf-8"?>
 <p:sld xmlns:a="http://schemas.openxmlformats.org/drawingml/2006/main" xmlns:r="http://schemas.openxmlformats.org/officeDocument/2006/relationships" xmlns:p="http://schemas.openxmlformats.org/presentationml/2006/main">
   <p:cSld>
     <p:spTree>
@@ -3962,14 +3972,16 @@
         </p:nvSpPr>
         <p:spPr/>
         <p:txBody>
-          <a:bodyPr/>
-          <a:lstStyle/>
-          <a:p>
-            <a:r>
-              <a:rPr lang="en-US" altLang="ko-KR" dirty="0"/>
-              <a:t>Lane Change (ISO 3888-2)</a:t>
-            </a:r>
-            <a:endParaRPr lang="ko-KR" altLang="en-US" dirty="0"/>
+          <a:bodyPr>
+            <a:normAutofit/>
+          </a:bodyPr>
+          <a:lstStyle/>
+          <a:p>
+            <a:r>
+              <a:rPr lang="en-US" altLang="ko-KR" sz="3600" dirty="0"/>
+              <a:t>Lane Change (ISO 3888-2) – cutting 1</a:t>
+            </a:r>
+            <a:endParaRPr lang="ko-KR" altLang="en-US" sz="3600" dirty="0"/>
           </a:p>
         </p:txBody>
       </p:sp>
@@ -4118,7 +4130,7 @@
     </p:spTree>
     <p:extLst>
       <p:ext uri="{BB962C8B-B14F-4D97-AF65-F5344CB8AC3E}">
-        <p14:creationId xmlns:p14="http://schemas.microsoft.com/office/powerpoint/2010/main" val="2188555385"/>
+        <p14:creationId xmlns:p14="http://schemas.microsoft.com/office/powerpoint/2010/main" val="1202956607"/>
       </p:ext>
     </p:extLst>
   </p:cSld>
@@ -4128,7 +4140,7 @@
 </p:sld>
 </file>
 
-<file path=ppt/slides/slide3.xml><?xml version="1.0" encoding="utf-8"?>
+<file path=ppt/slides/slide13.xml><?xml version="1.0" encoding="utf-8"?>
 <p:sld xmlns:a="http://schemas.openxmlformats.org/drawingml/2006/main" xmlns:r="http://schemas.openxmlformats.org/officeDocument/2006/relationships" xmlns:p="http://schemas.openxmlformats.org/presentationml/2006/main">
   <p:cSld>
     <p:spTree>
@@ -4216,7 +4228,7 @@
 </p:sld>
 </file>
 
-<file path=ppt/slides/slide4.xml><?xml version="1.0" encoding="utf-8"?>
+<file path=ppt/slides/slide14.xml><?xml version="1.0" encoding="utf-8"?>
 <p:sld xmlns:a="http://schemas.openxmlformats.org/drawingml/2006/main" xmlns:r="http://schemas.openxmlformats.org/officeDocument/2006/relationships" xmlns:p="http://schemas.openxmlformats.org/presentationml/2006/main">
   <p:cSld>
     <p:spTree>
@@ -4304,7 +4316,7 @@
 </p:sld>
 </file>
 
-<file path=ppt/slides/slide5.xml><?xml version="1.0" encoding="utf-8"?>
+<file path=ppt/slides/slide15.xml><?xml version="1.0" encoding="utf-8"?>
 <p:sld xmlns:a="http://schemas.openxmlformats.org/drawingml/2006/main" xmlns:r="http://schemas.openxmlformats.org/officeDocument/2006/relationships" xmlns:p="http://schemas.openxmlformats.org/presentationml/2006/main">
   <p:cSld>
     <p:spTree>
@@ -4398,7 +4410,7 @@
 </p:sld>
 </file>
 
-<file path=ppt/slides/slide6.xml><?xml version="1.0" encoding="utf-8"?>
+<file path=ppt/slides/slide16.xml><?xml version="1.0" encoding="utf-8"?>
 <p:sld xmlns:a="http://schemas.openxmlformats.org/drawingml/2006/main" xmlns:r="http://schemas.openxmlformats.org/officeDocument/2006/relationships" xmlns:p="http://schemas.openxmlformats.org/presentationml/2006/main">
   <p:cSld>
     <p:spTree>
@@ -4486,7 +4498,7 @@
 </p:sld>
 </file>
 
-<file path=ppt/slides/slide7.xml><?xml version="1.0" encoding="utf-8"?>
+<file path=ppt/slides/slide17.xml><?xml version="1.0" encoding="utf-8"?>
 <p:sld xmlns:a="http://schemas.openxmlformats.org/drawingml/2006/main" xmlns:r="http://schemas.openxmlformats.org/officeDocument/2006/relationships" xmlns:p="http://schemas.openxmlformats.org/presentationml/2006/main">
   <p:cSld>
     <p:spTree>
@@ -4656,7 +4668,7 @@
 </p:sld>
 </file>
 
-<file path=ppt/slides/slide8.xml><?xml version="1.0" encoding="utf-8"?>
+<file path=ppt/slides/slide18.xml><?xml version="1.0" encoding="utf-8"?>
 <p:sld xmlns:a="http://schemas.openxmlformats.org/drawingml/2006/main" xmlns:r="http://schemas.openxmlformats.org/officeDocument/2006/relationships" xmlns:p="http://schemas.openxmlformats.org/presentationml/2006/main">
   <p:cSld>
     <p:spTree>
@@ -4744,7 +4756,7 @@
 </p:sld>
 </file>
 
-<file path=ppt/slides/slide9.xml><?xml version="1.0" encoding="utf-8"?>
+<file path=ppt/slides/slide19.xml><?xml version="1.0" encoding="utf-8"?>
 <p:sld xmlns:a="http://schemas.openxmlformats.org/drawingml/2006/main" xmlns:r="http://schemas.openxmlformats.org/officeDocument/2006/relationships" xmlns:p="http://schemas.openxmlformats.org/presentationml/2006/main">
   <p:cSld>
     <p:spTree>
@@ -4823,6 +4835,1128 @@
     <p:extLst>
       <p:ext uri="{BB962C8B-B14F-4D97-AF65-F5344CB8AC3E}">
         <p14:creationId xmlns:p14="http://schemas.microsoft.com/office/powerpoint/2010/main" val="2154061612"/>
+      </p:ext>
+    </p:extLst>
+  </p:cSld>
+  <p:clrMapOvr>
+    <a:masterClrMapping/>
+  </p:clrMapOvr>
+</p:sld>
+</file>
+
+<file path=ppt/slides/slide2.xml><?xml version="1.0" encoding="utf-8"?>
+<p:sld xmlns:a="http://schemas.openxmlformats.org/drawingml/2006/main" xmlns:r="http://schemas.openxmlformats.org/officeDocument/2006/relationships" xmlns:p="http://schemas.openxmlformats.org/presentationml/2006/main">
+  <p:cSld>
+    <p:spTree>
+      <p:nvGrpSpPr>
+        <p:cNvPr id="1" name=""/>
+        <p:cNvGrpSpPr/>
+        <p:nvPr/>
+      </p:nvGrpSpPr>
+      <p:grpSpPr>
+        <a:xfrm>
+          <a:off x="0" y="0"/>
+          <a:ext cx="0" cy="0"/>
+          <a:chOff x="0" y="0"/>
+          <a:chExt cx="0" cy="0"/>
+        </a:xfrm>
+      </p:grpSpPr>
+      <p:sp>
+        <p:nvSpPr>
+          <p:cNvPr id="2" name="제목 1">
+            <a:extLst>
+              <a:ext uri="{FF2B5EF4-FFF2-40B4-BE49-F238E27FC236}">
+                <a16:creationId xmlns:a16="http://schemas.microsoft.com/office/drawing/2014/main" id="{A6BC79B4-6679-1A18-D586-452A3D54BF51}"/>
+              </a:ext>
+            </a:extLst>
+          </p:cNvPr>
+          <p:cNvSpPr>
+            <a:spLocks noGrp="1"/>
+          </p:cNvSpPr>
+          <p:nvPr>
+            <p:ph type="title"/>
+          </p:nvPr>
+        </p:nvSpPr>
+        <p:spPr/>
+        <p:txBody>
+          <a:bodyPr>
+            <a:normAutofit/>
+          </a:bodyPr>
+          <a:lstStyle/>
+          <a:p>
+            <a:r>
+              <a:rPr lang="en-US" altLang="ko-KR" sz="3600" dirty="0"/>
+              <a:t>Lane Change (ISO 3888-2) – </a:t>
+            </a:r>
+            <a:r>
+              <a:rPr lang="en-US" altLang="ko-KR" sz="3600" dirty="0" err="1"/>
+              <a:t>mpc</a:t>
+            </a:r>
+            <a:r>
+              <a:rPr lang="en-US" altLang="ko-KR" sz="3600" dirty="0"/>
+              <a:t> </a:t>
+            </a:r>
+            <a:r>
+              <a:rPr lang="en-US" altLang="ko-KR" sz="3600" dirty="0" err="1"/>
+              <a:t>traj</a:t>
+            </a:r>
+            <a:endParaRPr lang="ko-KR" altLang="en-US" sz="3600" dirty="0"/>
+          </a:p>
+        </p:txBody>
+      </p:sp>
+      <p:sp>
+        <p:nvSpPr>
+          <p:cNvPr id="3" name="내용 개체 틀 2">
+            <a:extLst>
+              <a:ext uri="{FF2B5EF4-FFF2-40B4-BE49-F238E27FC236}">
+                <a16:creationId xmlns:a16="http://schemas.microsoft.com/office/drawing/2014/main" id="{D1DE96DE-83AC-71D9-E357-EC072E3DDB97}"/>
+              </a:ext>
+            </a:extLst>
+          </p:cNvPr>
+          <p:cNvSpPr>
+            <a:spLocks noGrp="1"/>
+          </p:cNvSpPr>
+          <p:nvPr>
+            <p:ph idx="1"/>
+          </p:nvPr>
+        </p:nvSpPr>
+        <p:spPr/>
+        <p:txBody>
+          <a:bodyPr/>
+          <a:lstStyle/>
+          <a:p>
+            <a:r>
+              <a:rPr lang="en-US" altLang="ko-KR" dirty="0"/>
+              <a:t>IPG Setting for RL</a:t>
+            </a:r>
+          </a:p>
+          <a:p>
+            <a:pPr lvl="1"/>
+            <a:r>
+              <a:rPr lang="en-US" altLang="ko-KR" dirty="0"/>
+              <a:t>Initial car velocity: 50 kph</a:t>
+            </a:r>
+          </a:p>
+          <a:p>
+            <a:pPr lvl="1"/>
+            <a:r>
+              <a:rPr lang="en-US" altLang="ko-KR" dirty="0"/>
+              <a:t>(0m ~ 52m) Longitudinal Dynamics: IPGDriver, Speed 50 kph</a:t>
+            </a:r>
+          </a:p>
+          <a:p>
+            <a:pPr lvl="1"/>
+            <a:r>
+              <a:rPr lang="en-US" altLang="ko-KR" dirty="0"/>
+              <a:t>(52m ~ 161m) Longitudinal Dynamics: G/B/C/P 0</a:t>
+            </a:r>
+          </a:p>
+          <a:p>
+            <a:pPr lvl="1"/>
+            <a:r>
+              <a:rPr lang="en-US" altLang="ko-KR" dirty="0"/>
+              <a:t>Corner cutting Coefficient: 0</a:t>
+            </a:r>
+          </a:p>
+          <a:p>
+            <a:endParaRPr lang="en-US" altLang="ko-KR" dirty="0"/>
+          </a:p>
+          <a:p>
+            <a:r>
+              <a:rPr lang="en-US" altLang="ko-KR" dirty="0"/>
+              <a:t>IPG Setting for MPC</a:t>
+            </a:r>
+          </a:p>
+          <a:p>
+            <a:pPr lvl="1"/>
+            <a:r>
+              <a:rPr lang="en-US" altLang="ko-KR" dirty="0"/>
+              <a:t>Longitudinal Dynamics: IPGDriver, Speed 50 kph</a:t>
+            </a:r>
+          </a:p>
+          <a:p>
+            <a:pPr lvl="1"/>
+            <a:r>
+              <a:rPr lang="en-US" altLang="ko-KR" dirty="0"/>
+              <a:t>Corner cutting Coefficient: 0</a:t>
+            </a:r>
+          </a:p>
+          <a:p>
+            <a:pPr lvl="1"/>
+            <a:endParaRPr lang="en-US" altLang="ko-KR" dirty="0"/>
+          </a:p>
+          <a:p>
+            <a:r>
+              <a:rPr lang="en-US" altLang="ko-KR" dirty="0"/>
+              <a:t>Results</a:t>
+            </a:r>
+          </a:p>
+          <a:p>
+            <a:pPr lvl="1"/>
+            <a:r>
+              <a:rPr lang="en-US" altLang="ko-KR" dirty="0"/>
+              <a:t>IPG Collision: 3</a:t>
+            </a:r>
+          </a:p>
+          <a:p>
+            <a:pPr lvl="1"/>
+            <a:r>
+              <a:rPr lang="en-US" altLang="ko-KR" dirty="0"/>
+              <a:t>RL Collision: 2</a:t>
+            </a:r>
+          </a:p>
+          <a:p>
+            <a:pPr lvl="1"/>
+            <a:r>
+              <a:rPr lang="en-US" altLang="ko-KR" dirty="0"/>
+              <a:t>MPC Collision: 0</a:t>
+            </a:r>
+          </a:p>
+          <a:p>
+            <a:endParaRPr lang="en-US" altLang="ko-KR" dirty="0"/>
+          </a:p>
+        </p:txBody>
+      </p:sp>
+      <p:pic>
+        <p:nvPicPr>
+          <p:cNvPr id="8" name="그림 7">
+            <a:extLst>
+              <a:ext uri="{FF2B5EF4-FFF2-40B4-BE49-F238E27FC236}">
+                <a16:creationId xmlns:a16="http://schemas.microsoft.com/office/drawing/2014/main" id="{A81229ED-DECB-9D48-ABD1-A242A6F6414D}"/>
+              </a:ext>
+            </a:extLst>
+          </p:cNvPr>
+          <p:cNvPicPr>
+            <a:picLocks noChangeAspect="1"/>
+          </p:cNvPicPr>
+          <p:nvPr/>
+        </p:nvPicPr>
+        <p:blipFill rotWithShape="1">
+          <a:blip r:embed="rId2"/>
+          <a:srcRect t="38432" r="41510" b="38339"/>
+          <a:stretch/>
+        </p:blipFill>
+        <p:spPr>
+          <a:xfrm>
+            <a:off x="4222668" y="4928260"/>
+            <a:ext cx="7131132" cy="1496290"/>
+          </a:xfrm>
+          <a:prstGeom prst="rect">
+            <a:avLst/>
+          </a:prstGeom>
+        </p:spPr>
+      </p:pic>
+    </p:spTree>
+    <p:extLst>
+      <p:ext uri="{BB962C8B-B14F-4D97-AF65-F5344CB8AC3E}">
+        <p14:creationId xmlns:p14="http://schemas.microsoft.com/office/powerpoint/2010/main" val="2188555385"/>
+      </p:ext>
+    </p:extLst>
+  </p:cSld>
+  <p:clrMapOvr>
+    <a:masterClrMapping/>
+  </p:clrMapOvr>
+</p:sld>
+</file>
+
+<file path=ppt/slides/slide20.xml><?xml version="1.0" encoding="utf-8"?>
+<p:sld xmlns:a="http://schemas.openxmlformats.org/drawingml/2006/main" xmlns:r="http://schemas.openxmlformats.org/officeDocument/2006/relationships" xmlns:p="http://schemas.openxmlformats.org/presentationml/2006/main">
+  <p:cSld>
+    <p:spTree>
+      <p:nvGrpSpPr>
+        <p:cNvPr id="1" name=""/>
+        <p:cNvGrpSpPr/>
+        <p:nvPr/>
+      </p:nvGrpSpPr>
+      <p:grpSpPr>
+        <a:xfrm>
+          <a:off x="0" y="0"/>
+          <a:ext cx="0" cy="0"/>
+          <a:chOff x="0" y="0"/>
+          <a:chExt cx="0" cy="0"/>
+        </a:xfrm>
+      </p:grpSpPr>
+      <p:sp>
+        <p:nvSpPr>
+          <p:cNvPr id="2" name="제목 1">
+            <a:extLst>
+              <a:ext uri="{FF2B5EF4-FFF2-40B4-BE49-F238E27FC236}">
+                <a16:creationId xmlns:a16="http://schemas.microsoft.com/office/drawing/2014/main" id="{89A1722E-8587-5118-0CE2-8BE4FC5F5C32}"/>
+              </a:ext>
+            </a:extLst>
+          </p:cNvPr>
+          <p:cNvSpPr>
+            <a:spLocks noGrp="1"/>
+          </p:cNvSpPr>
+          <p:nvPr>
+            <p:ph type="title"/>
+          </p:nvPr>
+        </p:nvSpPr>
+        <p:spPr/>
+        <p:txBody>
+          <a:bodyPr/>
+          <a:lstStyle/>
+          <a:p>
+            <a:r>
+              <a:rPr lang="en-US" altLang="ko-KR" dirty="0"/>
+              <a:t>IPG - MPC</a:t>
+            </a:r>
+            <a:endParaRPr lang="ko-KR" altLang="en-US" dirty="0"/>
+          </a:p>
+        </p:txBody>
+      </p:sp>
+      <p:pic>
+        <p:nvPicPr>
+          <p:cNvPr id="6" name="내용 개체 틀 5">
+            <a:extLst>
+              <a:ext uri="{FF2B5EF4-FFF2-40B4-BE49-F238E27FC236}">
+                <a16:creationId xmlns:a16="http://schemas.microsoft.com/office/drawing/2014/main" id="{DE560FF6-340A-6416-2D53-C1759E10AE9F}"/>
+              </a:ext>
+            </a:extLst>
+          </p:cNvPr>
+          <p:cNvPicPr>
+            <a:picLocks noGrp="1" noChangeAspect="1"/>
+          </p:cNvPicPr>
+          <p:nvPr>
+            <p:ph idx="1"/>
+          </p:nvPr>
+        </p:nvPicPr>
+        <p:blipFill>
+          <a:blip r:embed="rId2"/>
+          <a:stretch>
+            <a:fillRect/>
+          </a:stretch>
+        </p:blipFill>
+        <p:spPr>
+          <a:xfrm>
+            <a:off x="2079380" y="1825625"/>
+            <a:ext cx="8033239" cy="4351338"/>
+          </a:xfrm>
+        </p:spPr>
+      </p:pic>
+    </p:spTree>
+    <p:extLst>
+      <p:ext uri="{BB962C8B-B14F-4D97-AF65-F5344CB8AC3E}">
+        <p14:creationId xmlns:p14="http://schemas.microsoft.com/office/powerpoint/2010/main" val="4036092701"/>
+      </p:ext>
+    </p:extLst>
+  </p:cSld>
+  <p:clrMapOvr>
+    <a:masterClrMapping/>
+  </p:clrMapOvr>
+</p:sld>
+</file>
+
+<file path=ppt/slides/slide21.xml><?xml version="1.0" encoding="utf-8"?>
+<p:sld xmlns:a="http://schemas.openxmlformats.org/drawingml/2006/main" xmlns:r="http://schemas.openxmlformats.org/officeDocument/2006/relationships" xmlns:p="http://schemas.openxmlformats.org/presentationml/2006/main">
+  <p:cSld>
+    <p:spTree>
+      <p:nvGrpSpPr>
+        <p:cNvPr id="1" name=""/>
+        <p:cNvGrpSpPr/>
+        <p:nvPr/>
+      </p:nvGrpSpPr>
+      <p:grpSpPr>
+        <a:xfrm>
+          <a:off x="0" y="0"/>
+          <a:ext cx="0" cy="0"/>
+          <a:chOff x="0" y="0"/>
+          <a:chExt cx="0" cy="0"/>
+        </a:xfrm>
+      </p:grpSpPr>
+      <p:sp>
+        <p:nvSpPr>
+          <p:cNvPr id="2" name="제목 1">
+            <a:extLst>
+              <a:ext uri="{FF2B5EF4-FFF2-40B4-BE49-F238E27FC236}">
+                <a16:creationId xmlns:a16="http://schemas.microsoft.com/office/drawing/2014/main" id="{BAD4E0BF-CE68-970B-82A4-EB8F04D87D22}"/>
+              </a:ext>
+            </a:extLst>
+          </p:cNvPr>
+          <p:cNvSpPr>
+            <a:spLocks noGrp="1"/>
+          </p:cNvSpPr>
+          <p:nvPr>
+            <p:ph type="title"/>
+          </p:nvPr>
+        </p:nvSpPr>
+        <p:spPr/>
+        <p:txBody>
+          <a:bodyPr/>
+          <a:lstStyle/>
+          <a:p>
+            <a:r>
+              <a:rPr lang="en-US" altLang="ko-KR" dirty="0"/>
+              <a:t>IPG vs MPC</a:t>
+            </a:r>
+            <a:endParaRPr lang="ko-KR" altLang="en-US" dirty="0"/>
+          </a:p>
+        </p:txBody>
+      </p:sp>
+      <p:pic>
+        <p:nvPicPr>
+          <p:cNvPr id="7" name="내용 개체 틀 6">
+            <a:extLst>
+              <a:ext uri="{FF2B5EF4-FFF2-40B4-BE49-F238E27FC236}">
+                <a16:creationId xmlns:a16="http://schemas.microsoft.com/office/drawing/2014/main" id="{5D7C5254-7BCC-870C-8C9A-E5F6D18FFBD0}"/>
+              </a:ext>
+            </a:extLst>
+          </p:cNvPr>
+          <p:cNvPicPr>
+            <a:picLocks noGrp="1" noChangeAspect="1"/>
+          </p:cNvPicPr>
+          <p:nvPr>
+            <p:ph idx="1"/>
+          </p:nvPr>
+        </p:nvPicPr>
+        <p:blipFill>
+          <a:blip r:embed="rId2"/>
+          <a:stretch>
+            <a:fillRect/>
+          </a:stretch>
+        </p:blipFill>
+        <p:spPr>
+          <a:xfrm>
+            <a:off x="2079380" y="1825625"/>
+            <a:ext cx="8033239" cy="4351338"/>
+          </a:xfrm>
+        </p:spPr>
+      </p:pic>
+    </p:spTree>
+    <p:extLst>
+      <p:ext uri="{BB962C8B-B14F-4D97-AF65-F5344CB8AC3E}">
+        <p14:creationId xmlns:p14="http://schemas.microsoft.com/office/powerpoint/2010/main" val="45892020"/>
+      </p:ext>
+    </p:extLst>
+  </p:cSld>
+  <p:clrMapOvr>
+    <a:masterClrMapping/>
+  </p:clrMapOvr>
+</p:sld>
+</file>
+
+<file path=ppt/slides/slide3.xml><?xml version="1.0" encoding="utf-8"?>
+<p:sld xmlns:a="http://schemas.openxmlformats.org/drawingml/2006/main" xmlns:r="http://schemas.openxmlformats.org/officeDocument/2006/relationships" xmlns:p="http://schemas.openxmlformats.org/presentationml/2006/main">
+  <p:cSld>
+    <p:spTree>
+      <p:nvGrpSpPr>
+        <p:cNvPr id="1" name=""/>
+        <p:cNvGrpSpPr/>
+        <p:nvPr/>
+      </p:nvGrpSpPr>
+      <p:grpSpPr>
+        <a:xfrm>
+          <a:off x="0" y="0"/>
+          <a:ext cx="0" cy="0"/>
+          <a:chOff x="0" y="0"/>
+          <a:chExt cx="0" cy="0"/>
+        </a:xfrm>
+      </p:grpSpPr>
+      <p:sp>
+        <p:nvSpPr>
+          <p:cNvPr id="2" name="제목 1">
+            <a:extLst>
+              <a:ext uri="{FF2B5EF4-FFF2-40B4-BE49-F238E27FC236}">
+                <a16:creationId xmlns:a16="http://schemas.microsoft.com/office/drawing/2014/main" id="{CD1FBD56-691B-178E-41E7-B6E0E3DD9D78}"/>
+              </a:ext>
+            </a:extLst>
+          </p:cNvPr>
+          <p:cNvSpPr>
+            <a:spLocks noGrp="1"/>
+          </p:cNvSpPr>
+          <p:nvPr>
+            <p:ph type="title"/>
+          </p:nvPr>
+        </p:nvSpPr>
+        <p:spPr/>
+        <p:txBody>
+          <a:bodyPr/>
+          <a:lstStyle/>
+          <a:p>
+            <a:r>
+              <a:rPr lang="en-US" altLang="ko-KR" dirty="0"/>
+              <a:t>IPG - RL</a:t>
+            </a:r>
+            <a:endParaRPr lang="ko-KR" altLang="en-US" dirty="0"/>
+          </a:p>
+        </p:txBody>
+      </p:sp>
+      <p:pic>
+        <p:nvPicPr>
+          <p:cNvPr id="5" name="내용 개체 틀 4">
+            <a:extLst>
+              <a:ext uri="{FF2B5EF4-FFF2-40B4-BE49-F238E27FC236}">
+                <a16:creationId xmlns:a16="http://schemas.microsoft.com/office/drawing/2014/main" id="{328B40EA-8CAC-590E-4FD9-D3430DE02A2E}"/>
+              </a:ext>
+            </a:extLst>
+          </p:cNvPr>
+          <p:cNvPicPr>
+            <a:picLocks noGrp="1" noChangeAspect="1"/>
+          </p:cNvPicPr>
+          <p:nvPr>
+            <p:ph idx="1"/>
+          </p:nvPr>
+        </p:nvPicPr>
+        <p:blipFill>
+          <a:blip r:embed="rId2"/>
+          <a:stretch>
+            <a:fillRect/>
+          </a:stretch>
+        </p:blipFill>
+        <p:spPr>
+          <a:xfrm>
+            <a:off x="2478367" y="1825625"/>
+            <a:ext cx="7235265" cy="4351338"/>
+          </a:xfrm>
+        </p:spPr>
+      </p:pic>
+    </p:spTree>
+    <p:extLst>
+      <p:ext uri="{BB962C8B-B14F-4D97-AF65-F5344CB8AC3E}">
+        <p14:creationId xmlns:p14="http://schemas.microsoft.com/office/powerpoint/2010/main" val="1922863530"/>
+      </p:ext>
+    </p:extLst>
+  </p:cSld>
+  <p:clrMapOvr>
+    <a:masterClrMapping/>
+  </p:clrMapOvr>
+</p:sld>
+</file>
+
+<file path=ppt/slides/slide4.xml><?xml version="1.0" encoding="utf-8"?>
+<p:sld xmlns:a="http://schemas.openxmlformats.org/drawingml/2006/main" xmlns:r="http://schemas.openxmlformats.org/officeDocument/2006/relationships" xmlns:p="http://schemas.openxmlformats.org/presentationml/2006/main">
+  <p:cSld>
+    <p:spTree>
+      <p:nvGrpSpPr>
+        <p:cNvPr id="1" name=""/>
+        <p:cNvGrpSpPr/>
+        <p:nvPr/>
+      </p:nvGrpSpPr>
+      <p:grpSpPr>
+        <a:xfrm>
+          <a:off x="0" y="0"/>
+          <a:ext cx="0" cy="0"/>
+          <a:chOff x="0" y="0"/>
+          <a:chExt cx="0" cy="0"/>
+        </a:xfrm>
+      </p:grpSpPr>
+      <p:sp>
+        <p:nvSpPr>
+          <p:cNvPr id="2" name="제목 1">
+            <a:extLst>
+              <a:ext uri="{FF2B5EF4-FFF2-40B4-BE49-F238E27FC236}">
+                <a16:creationId xmlns:a16="http://schemas.microsoft.com/office/drawing/2014/main" id="{CD1FBD56-691B-178E-41E7-B6E0E3DD9D78}"/>
+              </a:ext>
+            </a:extLst>
+          </p:cNvPr>
+          <p:cNvSpPr>
+            <a:spLocks noGrp="1"/>
+          </p:cNvSpPr>
+          <p:nvPr>
+            <p:ph type="title"/>
+          </p:nvPr>
+        </p:nvSpPr>
+        <p:spPr/>
+        <p:txBody>
+          <a:bodyPr/>
+          <a:lstStyle/>
+          <a:p>
+            <a:r>
+              <a:rPr lang="en-US" altLang="ko-KR" dirty="0"/>
+              <a:t>IPG - RL</a:t>
+            </a:r>
+            <a:endParaRPr lang="ko-KR" altLang="en-US" dirty="0"/>
+          </a:p>
+        </p:txBody>
+      </p:sp>
+      <p:pic>
+        <p:nvPicPr>
+          <p:cNvPr id="5" name="내용 개체 틀 4">
+            <a:extLst>
+              <a:ext uri="{FF2B5EF4-FFF2-40B4-BE49-F238E27FC236}">
+                <a16:creationId xmlns:a16="http://schemas.microsoft.com/office/drawing/2014/main" id="{CC69E600-989B-5A5C-FF4E-46906EEE58AF}"/>
+              </a:ext>
+            </a:extLst>
+          </p:cNvPr>
+          <p:cNvPicPr>
+            <a:picLocks noGrp="1" noChangeAspect="1"/>
+          </p:cNvPicPr>
+          <p:nvPr>
+            <p:ph idx="1"/>
+          </p:nvPr>
+        </p:nvPicPr>
+        <p:blipFill>
+          <a:blip r:embed="rId2"/>
+          <a:stretch>
+            <a:fillRect/>
+          </a:stretch>
+        </p:blipFill>
+        <p:spPr>
+          <a:xfrm>
+            <a:off x="2478367" y="1825625"/>
+            <a:ext cx="7235265" cy="4351338"/>
+          </a:xfrm>
+        </p:spPr>
+      </p:pic>
+    </p:spTree>
+    <p:extLst>
+      <p:ext uri="{BB962C8B-B14F-4D97-AF65-F5344CB8AC3E}">
+        <p14:creationId xmlns:p14="http://schemas.microsoft.com/office/powerpoint/2010/main" val="1565579492"/>
+      </p:ext>
+    </p:extLst>
+  </p:cSld>
+  <p:clrMapOvr>
+    <a:masterClrMapping/>
+  </p:clrMapOvr>
+</p:sld>
+</file>
+
+<file path=ppt/slides/slide5.xml><?xml version="1.0" encoding="utf-8"?>
+<p:sld xmlns:a="http://schemas.openxmlformats.org/drawingml/2006/main" xmlns:r="http://schemas.openxmlformats.org/officeDocument/2006/relationships" xmlns:p="http://schemas.openxmlformats.org/presentationml/2006/main">
+  <p:cSld>
+    <p:spTree>
+      <p:nvGrpSpPr>
+        <p:cNvPr id="1" name=""/>
+        <p:cNvGrpSpPr/>
+        <p:nvPr/>
+      </p:nvGrpSpPr>
+      <p:grpSpPr>
+        <a:xfrm>
+          <a:off x="0" y="0"/>
+          <a:ext cx="0" cy="0"/>
+          <a:chOff x="0" y="0"/>
+          <a:chExt cx="0" cy="0"/>
+        </a:xfrm>
+      </p:grpSpPr>
+      <p:sp>
+        <p:nvSpPr>
+          <p:cNvPr id="2" name="제목 1">
+            <a:extLst>
+              <a:ext uri="{FF2B5EF4-FFF2-40B4-BE49-F238E27FC236}">
+                <a16:creationId xmlns:a16="http://schemas.microsoft.com/office/drawing/2014/main" id="{CD1FBD56-691B-178E-41E7-B6E0E3DD9D78}"/>
+              </a:ext>
+            </a:extLst>
+          </p:cNvPr>
+          <p:cNvSpPr>
+            <a:spLocks noGrp="1"/>
+          </p:cNvSpPr>
+          <p:nvPr>
+            <p:ph type="title"/>
+          </p:nvPr>
+        </p:nvSpPr>
+        <p:spPr/>
+        <p:txBody>
+          <a:bodyPr/>
+          <a:lstStyle/>
+          <a:p>
+            <a:r>
+              <a:rPr lang="en-US" altLang="ko-KR" dirty="0"/>
+              <a:t>IPG - MPC</a:t>
+            </a:r>
+            <a:endParaRPr lang="ko-KR" altLang="en-US" dirty="0"/>
+          </a:p>
+        </p:txBody>
+      </p:sp>
+      <p:pic>
+        <p:nvPicPr>
+          <p:cNvPr id="5" name="내용 개체 틀 4">
+            <a:extLst>
+              <a:ext uri="{FF2B5EF4-FFF2-40B4-BE49-F238E27FC236}">
+                <a16:creationId xmlns:a16="http://schemas.microsoft.com/office/drawing/2014/main" id="{0582CD60-1700-4281-44CA-3A23EAF3FF4B}"/>
+              </a:ext>
+            </a:extLst>
+          </p:cNvPr>
+          <p:cNvPicPr>
+            <a:picLocks noGrp="1" noChangeAspect="1"/>
+          </p:cNvPicPr>
+          <p:nvPr>
+            <p:ph idx="1"/>
+          </p:nvPr>
+        </p:nvPicPr>
+        <p:blipFill>
+          <a:blip r:embed="rId2"/>
+          <a:stretch>
+            <a:fillRect/>
+          </a:stretch>
+        </p:blipFill>
+        <p:spPr>
+          <a:xfrm>
+            <a:off x="2478367" y="1825625"/>
+            <a:ext cx="7235265" cy="4351338"/>
+          </a:xfrm>
+        </p:spPr>
+      </p:pic>
+    </p:spTree>
+    <p:extLst>
+      <p:ext uri="{BB962C8B-B14F-4D97-AF65-F5344CB8AC3E}">
+        <p14:creationId xmlns:p14="http://schemas.microsoft.com/office/powerpoint/2010/main" val="3598556384"/>
+      </p:ext>
+    </p:extLst>
+  </p:cSld>
+  <p:clrMapOvr>
+    <a:masterClrMapping/>
+  </p:clrMapOvr>
+</p:sld>
+</file>
+
+<file path=ppt/slides/slide6.xml><?xml version="1.0" encoding="utf-8"?>
+<p:sld xmlns:a="http://schemas.openxmlformats.org/drawingml/2006/main" xmlns:r="http://schemas.openxmlformats.org/officeDocument/2006/relationships" xmlns:p="http://schemas.openxmlformats.org/presentationml/2006/main">
+  <p:cSld>
+    <p:spTree>
+      <p:nvGrpSpPr>
+        <p:cNvPr id="1" name=""/>
+        <p:cNvGrpSpPr/>
+        <p:nvPr/>
+      </p:nvGrpSpPr>
+      <p:grpSpPr>
+        <a:xfrm>
+          <a:off x="0" y="0"/>
+          <a:ext cx="0" cy="0"/>
+          <a:chOff x="0" y="0"/>
+          <a:chExt cx="0" cy="0"/>
+        </a:xfrm>
+      </p:grpSpPr>
+      <p:sp>
+        <p:nvSpPr>
+          <p:cNvPr id="2" name="제목 1">
+            <a:extLst>
+              <a:ext uri="{FF2B5EF4-FFF2-40B4-BE49-F238E27FC236}">
+                <a16:creationId xmlns:a16="http://schemas.microsoft.com/office/drawing/2014/main" id="{CD1FBD56-691B-178E-41E7-B6E0E3DD9D78}"/>
+              </a:ext>
+            </a:extLst>
+          </p:cNvPr>
+          <p:cNvSpPr>
+            <a:spLocks noGrp="1"/>
+          </p:cNvSpPr>
+          <p:nvPr>
+            <p:ph type="title"/>
+          </p:nvPr>
+        </p:nvSpPr>
+        <p:spPr/>
+        <p:txBody>
+          <a:bodyPr/>
+          <a:lstStyle/>
+          <a:p>
+            <a:r>
+              <a:rPr lang="en-US" altLang="ko-KR" dirty="0"/>
+              <a:t>IPG - MPC</a:t>
+            </a:r>
+            <a:endParaRPr lang="ko-KR" altLang="en-US" dirty="0"/>
+          </a:p>
+        </p:txBody>
+      </p:sp>
+      <p:pic>
+        <p:nvPicPr>
+          <p:cNvPr id="5" name="내용 개체 틀 4">
+            <a:extLst>
+              <a:ext uri="{FF2B5EF4-FFF2-40B4-BE49-F238E27FC236}">
+                <a16:creationId xmlns:a16="http://schemas.microsoft.com/office/drawing/2014/main" id="{B1BFE249-D3C0-A700-A0A9-6655F7C30A38}"/>
+              </a:ext>
+            </a:extLst>
+          </p:cNvPr>
+          <p:cNvPicPr>
+            <a:picLocks noGrp="1" noChangeAspect="1"/>
+          </p:cNvPicPr>
+          <p:nvPr>
+            <p:ph idx="1"/>
+          </p:nvPr>
+        </p:nvPicPr>
+        <p:blipFill>
+          <a:blip r:embed="rId2"/>
+          <a:stretch>
+            <a:fillRect/>
+          </a:stretch>
+        </p:blipFill>
+        <p:spPr>
+          <a:xfrm>
+            <a:off x="2478367" y="1825625"/>
+            <a:ext cx="7235265" cy="4351338"/>
+          </a:xfrm>
+        </p:spPr>
+      </p:pic>
+    </p:spTree>
+    <p:extLst>
+      <p:ext uri="{BB962C8B-B14F-4D97-AF65-F5344CB8AC3E}">
+        <p14:creationId xmlns:p14="http://schemas.microsoft.com/office/powerpoint/2010/main" val="4090628142"/>
+      </p:ext>
+    </p:extLst>
+  </p:cSld>
+  <p:clrMapOvr>
+    <a:masterClrMapping/>
+  </p:clrMapOvr>
+</p:sld>
+</file>
+
+<file path=ppt/slides/slide7.xml><?xml version="1.0" encoding="utf-8"?>
+<p:sld xmlns:a="http://schemas.openxmlformats.org/drawingml/2006/main" xmlns:r="http://schemas.openxmlformats.org/officeDocument/2006/relationships" xmlns:p="http://schemas.openxmlformats.org/presentationml/2006/main">
+  <p:cSld>
+    <p:spTree>
+      <p:nvGrpSpPr>
+        <p:cNvPr id="1" name=""/>
+        <p:cNvGrpSpPr/>
+        <p:nvPr/>
+      </p:nvGrpSpPr>
+      <p:grpSpPr>
+        <a:xfrm>
+          <a:off x="0" y="0"/>
+          <a:ext cx="0" cy="0"/>
+          <a:chOff x="0" y="0"/>
+          <a:chExt cx="0" cy="0"/>
+        </a:xfrm>
+      </p:grpSpPr>
+      <p:sp>
+        <p:nvSpPr>
+          <p:cNvPr id="2" name="제목 1">
+            <a:extLst>
+              <a:ext uri="{FF2B5EF4-FFF2-40B4-BE49-F238E27FC236}">
+                <a16:creationId xmlns:a16="http://schemas.microsoft.com/office/drawing/2014/main" id="{A6BC79B4-6679-1A18-D586-452A3D54BF51}"/>
+              </a:ext>
+            </a:extLst>
+          </p:cNvPr>
+          <p:cNvSpPr>
+            <a:spLocks noGrp="1"/>
+          </p:cNvSpPr>
+          <p:nvPr>
+            <p:ph type="title"/>
+          </p:nvPr>
+        </p:nvSpPr>
+        <p:spPr/>
+        <p:txBody>
+          <a:bodyPr>
+            <a:normAutofit/>
+          </a:bodyPr>
+          <a:lstStyle/>
+          <a:p>
+            <a:r>
+              <a:rPr lang="en-US" altLang="ko-KR" sz="3600" dirty="0"/>
+              <a:t>Lane Change (ISO 3888-2) – cutting 0</a:t>
+            </a:r>
+            <a:endParaRPr lang="ko-KR" altLang="en-US" sz="3600" dirty="0"/>
+          </a:p>
+        </p:txBody>
+      </p:sp>
+      <p:sp>
+        <p:nvSpPr>
+          <p:cNvPr id="3" name="내용 개체 틀 2">
+            <a:extLst>
+              <a:ext uri="{FF2B5EF4-FFF2-40B4-BE49-F238E27FC236}">
+                <a16:creationId xmlns:a16="http://schemas.microsoft.com/office/drawing/2014/main" id="{D1DE96DE-83AC-71D9-E357-EC072E3DDB97}"/>
+              </a:ext>
+            </a:extLst>
+          </p:cNvPr>
+          <p:cNvSpPr>
+            <a:spLocks noGrp="1"/>
+          </p:cNvSpPr>
+          <p:nvPr>
+            <p:ph idx="1"/>
+          </p:nvPr>
+        </p:nvSpPr>
+        <p:spPr/>
+        <p:txBody>
+          <a:bodyPr/>
+          <a:lstStyle/>
+          <a:p>
+            <a:r>
+              <a:rPr lang="en-US" altLang="ko-KR" dirty="0"/>
+              <a:t>IPG Setting for RL</a:t>
+            </a:r>
+          </a:p>
+          <a:p>
+            <a:pPr lvl="1"/>
+            <a:r>
+              <a:rPr lang="en-US" altLang="ko-KR" dirty="0"/>
+              <a:t>Initial car velocity: 50 kph</a:t>
+            </a:r>
+          </a:p>
+          <a:p>
+            <a:pPr lvl="1"/>
+            <a:r>
+              <a:rPr lang="en-US" altLang="ko-KR" dirty="0"/>
+              <a:t>(0m ~ 52m) Longitudinal Dynamics: IPGDriver, Speed 50 kph</a:t>
+            </a:r>
+          </a:p>
+          <a:p>
+            <a:pPr lvl="1"/>
+            <a:r>
+              <a:rPr lang="en-US" altLang="ko-KR" dirty="0"/>
+              <a:t>(52m ~ 161m) Longitudinal Dynamics: G/B/C/P 0</a:t>
+            </a:r>
+          </a:p>
+          <a:p>
+            <a:pPr lvl="1"/>
+            <a:r>
+              <a:rPr lang="en-US" altLang="ko-KR" dirty="0"/>
+              <a:t>Corner cutting Coefficient: 0</a:t>
+            </a:r>
+          </a:p>
+          <a:p>
+            <a:endParaRPr lang="en-US" altLang="ko-KR" dirty="0"/>
+          </a:p>
+          <a:p>
+            <a:r>
+              <a:rPr lang="en-US" altLang="ko-KR" dirty="0"/>
+              <a:t>IPG Setting for MPC</a:t>
+            </a:r>
+          </a:p>
+          <a:p>
+            <a:pPr lvl="1"/>
+            <a:r>
+              <a:rPr lang="en-US" altLang="ko-KR" dirty="0"/>
+              <a:t>Longitudinal Dynamics: IPGDriver, Speed 50 kph</a:t>
+            </a:r>
+          </a:p>
+          <a:p>
+            <a:pPr lvl="1"/>
+            <a:r>
+              <a:rPr lang="en-US" altLang="ko-KR" dirty="0"/>
+              <a:t>Corner cutting Coefficient: 0</a:t>
+            </a:r>
+          </a:p>
+          <a:p>
+            <a:pPr lvl="1"/>
+            <a:endParaRPr lang="en-US" altLang="ko-KR" dirty="0"/>
+          </a:p>
+          <a:p>
+            <a:r>
+              <a:rPr lang="en-US" altLang="ko-KR" dirty="0"/>
+              <a:t>Results</a:t>
+            </a:r>
+          </a:p>
+          <a:p>
+            <a:pPr lvl="1"/>
+            <a:r>
+              <a:rPr lang="en-US" altLang="ko-KR" dirty="0"/>
+              <a:t>IPG Collision: 3</a:t>
+            </a:r>
+          </a:p>
+          <a:p>
+            <a:pPr lvl="1"/>
+            <a:r>
+              <a:rPr lang="en-US" altLang="ko-KR" dirty="0"/>
+              <a:t>RL Collision: 2</a:t>
+            </a:r>
+          </a:p>
+          <a:p>
+            <a:pPr lvl="1"/>
+            <a:r>
+              <a:rPr lang="en-US" altLang="ko-KR" dirty="0"/>
+              <a:t>MPC Collision: 0</a:t>
+            </a:r>
+          </a:p>
+          <a:p>
+            <a:endParaRPr lang="en-US" altLang="ko-KR" dirty="0"/>
+          </a:p>
+        </p:txBody>
+      </p:sp>
+      <p:pic>
+        <p:nvPicPr>
+          <p:cNvPr id="7" name="그림 6">
+            <a:extLst>
+              <a:ext uri="{FF2B5EF4-FFF2-40B4-BE49-F238E27FC236}">
+                <a16:creationId xmlns:a16="http://schemas.microsoft.com/office/drawing/2014/main" id="{966C8A23-F884-09F6-E34F-131F5E34E987}"/>
+              </a:ext>
+            </a:extLst>
+          </p:cNvPr>
+          <p:cNvPicPr>
+            <a:picLocks noChangeAspect="1"/>
+          </p:cNvPicPr>
+          <p:nvPr/>
+        </p:nvPicPr>
+        <p:blipFill rotWithShape="1">
+          <a:blip r:embed="rId2"/>
+          <a:srcRect t="53641" r="41948" b="24790"/>
+          <a:stretch/>
+        </p:blipFill>
+        <p:spPr>
+          <a:xfrm>
+            <a:off x="4276106" y="4655128"/>
+            <a:ext cx="7077694" cy="1389413"/>
+          </a:xfrm>
+          <a:prstGeom prst="rect">
+            <a:avLst/>
+          </a:prstGeom>
+        </p:spPr>
+      </p:pic>
+    </p:spTree>
+    <p:extLst>
+      <p:ext uri="{BB962C8B-B14F-4D97-AF65-F5344CB8AC3E}">
+        <p14:creationId xmlns:p14="http://schemas.microsoft.com/office/powerpoint/2010/main" val="3395519251"/>
+      </p:ext>
+    </p:extLst>
+  </p:cSld>
+  <p:clrMapOvr>
+    <a:masterClrMapping/>
+  </p:clrMapOvr>
+</p:sld>
+</file>
+
+<file path=ppt/slides/slide8.xml><?xml version="1.0" encoding="utf-8"?>
+<p:sld xmlns:a="http://schemas.openxmlformats.org/drawingml/2006/main" xmlns:r="http://schemas.openxmlformats.org/officeDocument/2006/relationships" xmlns:p="http://schemas.openxmlformats.org/presentationml/2006/main">
+  <p:cSld>
+    <p:spTree>
+      <p:nvGrpSpPr>
+        <p:cNvPr id="1" name=""/>
+        <p:cNvGrpSpPr/>
+        <p:nvPr/>
+      </p:nvGrpSpPr>
+      <p:grpSpPr>
+        <a:xfrm>
+          <a:off x="0" y="0"/>
+          <a:ext cx="0" cy="0"/>
+          <a:chOff x="0" y="0"/>
+          <a:chExt cx="0" cy="0"/>
+        </a:xfrm>
+      </p:grpSpPr>
+      <p:sp>
+        <p:nvSpPr>
+          <p:cNvPr id="2" name="제목 1">
+            <a:extLst>
+              <a:ext uri="{FF2B5EF4-FFF2-40B4-BE49-F238E27FC236}">
+                <a16:creationId xmlns:a16="http://schemas.microsoft.com/office/drawing/2014/main" id="{809A18AE-0125-A575-6E02-15AAC2AB5CBC}"/>
+              </a:ext>
+            </a:extLst>
+          </p:cNvPr>
+          <p:cNvSpPr>
+            <a:spLocks noGrp="1"/>
+          </p:cNvSpPr>
+          <p:nvPr>
+            <p:ph type="title"/>
+          </p:nvPr>
+        </p:nvSpPr>
+        <p:spPr/>
+        <p:txBody>
+          <a:bodyPr/>
+          <a:lstStyle/>
+          <a:p>
+            <a:r>
+              <a:rPr lang="en-US" altLang="ko-KR" dirty="0"/>
+              <a:t>IPG - RL</a:t>
+            </a:r>
+            <a:endParaRPr lang="ko-KR" altLang="en-US" dirty="0"/>
+          </a:p>
+        </p:txBody>
+      </p:sp>
+      <p:pic>
+        <p:nvPicPr>
+          <p:cNvPr id="6" name="내용 개체 틀 5">
+            <a:extLst>
+              <a:ext uri="{FF2B5EF4-FFF2-40B4-BE49-F238E27FC236}">
+                <a16:creationId xmlns:a16="http://schemas.microsoft.com/office/drawing/2014/main" id="{8EAD2CD2-3A59-BF1B-9704-ACFF1A0E46FF}"/>
+              </a:ext>
+            </a:extLst>
+          </p:cNvPr>
+          <p:cNvPicPr>
+            <a:picLocks noGrp="1" noChangeAspect="1"/>
+          </p:cNvPicPr>
+          <p:nvPr>
+            <p:ph idx="1"/>
+          </p:nvPr>
+        </p:nvPicPr>
+        <p:blipFill>
+          <a:blip r:embed="rId2"/>
+          <a:stretch>
+            <a:fillRect/>
+          </a:stretch>
+        </p:blipFill>
+        <p:spPr>
+          <a:xfrm>
+            <a:off x="2478367" y="1825625"/>
+            <a:ext cx="7235265" cy="4351338"/>
+          </a:xfrm>
+        </p:spPr>
+      </p:pic>
+    </p:spTree>
+    <p:extLst>
+      <p:ext uri="{BB962C8B-B14F-4D97-AF65-F5344CB8AC3E}">
+        <p14:creationId xmlns:p14="http://schemas.microsoft.com/office/powerpoint/2010/main" val="1078024377"/>
+      </p:ext>
+    </p:extLst>
+  </p:cSld>
+  <p:clrMapOvr>
+    <a:masterClrMapping/>
+  </p:clrMapOvr>
+</p:sld>
+</file>
+
+<file path=ppt/slides/slide9.xml><?xml version="1.0" encoding="utf-8"?>
+<p:sld xmlns:a="http://schemas.openxmlformats.org/drawingml/2006/main" xmlns:r="http://schemas.openxmlformats.org/officeDocument/2006/relationships" xmlns:p="http://schemas.openxmlformats.org/presentationml/2006/main">
+  <p:cSld>
+    <p:spTree>
+      <p:nvGrpSpPr>
+        <p:cNvPr id="1" name=""/>
+        <p:cNvGrpSpPr/>
+        <p:nvPr/>
+      </p:nvGrpSpPr>
+      <p:grpSpPr>
+        <a:xfrm>
+          <a:off x="0" y="0"/>
+          <a:ext cx="0" cy="0"/>
+          <a:chOff x="0" y="0"/>
+          <a:chExt cx="0" cy="0"/>
+        </a:xfrm>
+      </p:grpSpPr>
+      <p:sp>
+        <p:nvSpPr>
+          <p:cNvPr id="2" name="제목 1">
+            <a:extLst>
+              <a:ext uri="{FF2B5EF4-FFF2-40B4-BE49-F238E27FC236}">
+                <a16:creationId xmlns:a16="http://schemas.microsoft.com/office/drawing/2014/main" id="{CF38FA5F-E452-22CD-4282-6B13F6E42401}"/>
+              </a:ext>
+            </a:extLst>
+          </p:cNvPr>
+          <p:cNvSpPr>
+            <a:spLocks noGrp="1"/>
+          </p:cNvSpPr>
+          <p:nvPr>
+            <p:ph type="title"/>
+          </p:nvPr>
+        </p:nvSpPr>
+        <p:spPr/>
+        <p:txBody>
+          <a:bodyPr/>
+          <a:lstStyle/>
+          <a:p>
+            <a:r>
+              <a:rPr lang="en-US" altLang="ko-KR" dirty="0"/>
+              <a:t>IPG - RL</a:t>
+            </a:r>
+            <a:endParaRPr lang="ko-KR" altLang="en-US" dirty="0"/>
+          </a:p>
+        </p:txBody>
+      </p:sp>
+      <p:pic>
+        <p:nvPicPr>
+          <p:cNvPr id="8" name="내용 개체 틀 7">
+            <a:extLst>
+              <a:ext uri="{FF2B5EF4-FFF2-40B4-BE49-F238E27FC236}">
+                <a16:creationId xmlns:a16="http://schemas.microsoft.com/office/drawing/2014/main" id="{6DF83103-AB3C-2330-68E3-6C45485A400B}"/>
+              </a:ext>
+            </a:extLst>
+          </p:cNvPr>
+          <p:cNvPicPr>
+            <a:picLocks noGrp="1" noChangeAspect="1"/>
+          </p:cNvPicPr>
+          <p:nvPr>
+            <p:ph idx="1"/>
+          </p:nvPr>
+        </p:nvPicPr>
+        <p:blipFill>
+          <a:blip r:embed="rId2"/>
+          <a:stretch>
+            <a:fillRect/>
+          </a:stretch>
+        </p:blipFill>
+        <p:spPr>
+          <a:xfrm>
+            <a:off x="2478367" y="1825625"/>
+            <a:ext cx="7235265" cy="4351338"/>
+          </a:xfrm>
+        </p:spPr>
+      </p:pic>
+    </p:spTree>
+    <p:extLst>
+      <p:ext uri="{BB962C8B-B14F-4D97-AF65-F5344CB8AC3E}">
+        <p14:creationId xmlns:p14="http://schemas.microsoft.com/office/powerpoint/2010/main" val="2740020253"/>
       </p:ext>
     </p:extLst>
   </p:cSld>

--- a/1023Report/1023_결과보고.pptx
+++ b/1023Report/1023_결과보고.pptx
@@ -232,7 +232,7 @@
           <a:p>
             <a:fld id="{265A5232-C53E-4F47-9B1D-10DC02294D1A}" type="datetimeFigureOut">
               <a:rPr lang="en-US" smtClean="0"/>
-              <a:t>10/24/2023</a:t>
+              <a:t>11/8/2023</a:t>
             </a:fld>
             <a:endParaRPr lang="en-US"/>
           </a:p>
@@ -482,7 +482,7 @@
           <a:p>
             <a:fld id="{F0AD61EE-A626-44D1-8BBF-C441989EBD45}" type="datetimeFigureOut">
               <a:rPr lang="ko-KR" altLang="en-US" smtClean="0"/>
-              <a:t>2023-10-24</a:t>
+              <a:t>2023-11-08</a:t>
             </a:fld>
             <a:endParaRPr lang="ko-KR" altLang="en-US"/>
           </a:p>
@@ -680,7 +680,7 @@
           <a:p>
             <a:fld id="{F0AD61EE-A626-44D1-8BBF-C441989EBD45}" type="datetimeFigureOut">
               <a:rPr lang="ko-KR" altLang="en-US" smtClean="0"/>
-              <a:t>2023-10-24</a:t>
+              <a:t>2023-11-08</a:t>
             </a:fld>
             <a:endParaRPr lang="ko-KR" altLang="en-US"/>
           </a:p>
@@ -888,7 +888,7 @@
           <a:p>
             <a:fld id="{F0AD61EE-A626-44D1-8BBF-C441989EBD45}" type="datetimeFigureOut">
               <a:rPr lang="ko-KR" altLang="en-US" smtClean="0"/>
-              <a:t>2023-10-24</a:t>
+              <a:t>2023-11-08</a:t>
             </a:fld>
             <a:endParaRPr lang="ko-KR" altLang="en-US"/>
           </a:p>
@@ -1130,7 +1130,7 @@
           <a:p>
             <a:fld id="{F0AD61EE-A626-44D1-8BBF-C441989EBD45}" type="datetimeFigureOut">
               <a:rPr lang="ko-KR" altLang="en-US" smtClean="0"/>
-              <a:t>2023-10-24</a:t>
+              <a:t>2023-11-08</a:t>
             </a:fld>
             <a:endParaRPr lang="ko-KR" altLang="en-US"/>
           </a:p>
@@ -1446,7 +1446,7 @@
           <a:p>
             <a:fld id="{F0AD61EE-A626-44D1-8BBF-C441989EBD45}" type="datetimeFigureOut">
               <a:rPr lang="ko-KR" altLang="en-US" smtClean="0"/>
-              <a:t>2023-10-24</a:t>
+              <a:t>2023-11-08</a:t>
             </a:fld>
             <a:endParaRPr lang="ko-KR" altLang="en-US"/>
           </a:p>
@@ -1752,7 +1752,7 @@
           <a:p>
             <a:fld id="{F0AD61EE-A626-44D1-8BBF-C441989EBD45}" type="datetimeFigureOut">
               <a:rPr lang="ko-KR" altLang="en-US" smtClean="0"/>
-              <a:t>2023-10-24</a:t>
+              <a:t>2023-11-08</a:t>
             </a:fld>
             <a:endParaRPr lang="ko-KR" altLang="en-US"/>
           </a:p>
@@ -2164,7 +2164,7 @@
           <a:p>
             <a:fld id="{F0AD61EE-A626-44D1-8BBF-C441989EBD45}" type="datetimeFigureOut">
               <a:rPr lang="ko-KR" altLang="en-US" smtClean="0"/>
-              <a:t>2023-10-24</a:t>
+              <a:t>2023-11-08</a:t>
             </a:fld>
             <a:endParaRPr lang="ko-KR" altLang="en-US"/>
           </a:p>
@@ -2305,7 +2305,7 @@
           <a:p>
             <a:fld id="{F0AD61EE-A626-44D1-8BBF-C441989EBD45}" type="datetimeFigureOut">
               <a:rPr lang="ko-KR" altLang="en-US" smtClean="0"/>
-              <a:t>2023-10-24</a:t>
+              <a:t>2023-11-08</a:t>
             </a:fld>
             <a:endParaRPr lang="ko-KR" altLang="en-US"/>
           </a:p>
@@ -2418,7 +2418,7 @@
           <a:p>
             <a:fld id="{F0AD61EE-A626-44D1-8BBF-C441989EBD45}" type="datetimeFigureOut">
               <a:rPr lang="ko-KR" altLang="en-US" smtClean="0"/>
-              <a:t>2023-10-24</a:t>
+              <a:t>2023-11-08</a:t>
             </a:fld>
             <a:endParaRPr lang="ko-KR" altLang="en-US"/>
           </a:p>
@@ -2729,7 +2729,7 @@
           <a:p>
             <a:fld id="{F0AD61EE-A626-44D1-8BBF-C441989EBD45}" type="datetimeFigureOut">
               <a:rPr lang="ko-KR" altLang="en-US" smtClean="0"/>
-              <a:t>2023-10-24</a:t>
+              <a:t>2023-11-08</a:t>
             </a:fld>
             <a:endParaRPr lang="ko-KR" altLang="en-US"/>
           </a:p>
@@ -3017,7 +3017,7 @@
           <a:p>
             <a:fld id="{F0AD61EE-A626-44D1-8BBF-C441989EBD45}" type="datetimeFigureOut">
               <a:rPr lang="ko-KR" altLang="en-US" smtClean="0"/>
-              <a:t>2023-10-24</a:t>
+              <a:t>2023-11-08</a:t>
             </a:fld>
             <a:endParaRPr lang="ko-KR" altLang="en-US"/>
           </a:p>
@@ -3258,7 +3258,7 @@
           <a:p>
             <a:fld id="{F0AD61EE-A626-44D1-8BBF-C441989EBD45}" type="datetimeFigureOut">
               <a:rPr lang="ko-KR" altLang="en-US" smtClean="0"/>
-              <a:t>2023-10-24</a:t>
+              <a:t>2023-11-08</a:t>
             </a:fld>
             <a:endParaRPr lang="ko-KR" altLang="en-US"/>
           </a:p>
